--- a/数据库综合实验.pptx
+++ b/数据库综合实验.pptx
@@ -5,15 +5,24 @@
     <p:sldMasterId id="2147483648" r:id="rId1"/>
   </p:sldMasterIdLst>
   <p:notesMasterIdLst>
-    <p:notesMasterId r:id="rId6"/>
+    <p:notesMasterId r:id="rId15"/>
   </p:notesMasterIdLst>
   <p:handoutMasterIdLst>
-    <p:handoutMasterId r:id="rId7"/>
+    <p:handoutMasterId r:id="rId16"/>
   </p:handoutMasterIdLst>
   <p:sldIdLst>
     <p:sldId id="256" r:id="rId3"/>
     <p:sldId id="257" r:id="rId4"/>
     <p:sldId id="258" r:id="rId5"/>
+    <p:sldId id="259" r:id="rId6"/>
+    <p:sldId id="260" r:id="rId7"/>
+    <p:sldId id="261" r:id="rId8"/>
+    <p:sldId id="262" r:id="rId9"/>
+    <p:sldId id="263" r:id="rId10"/>
+    <p:sldId id="264" r:id="rId11"/>
+    <p:sldId id="265" r:id="rId12"/>
+    <p:sldId id="266" r:id="rId13"/>
+    <p:sldId id="267" r:id="rId14"/>
   </p:sldIdLst>
   <p:sldSz cx="12192000" cy="6858000"/>
   <p:notesSz cx="7103745" cy="10234295"/>
@@ -3612,6 +3621,254 @@
 </p:sld>
 </file>
 
+<file path=ppt/slides/slide10.xml><?xml version="1.0" encoding="utf-8"?>
+<p:sld xmlns:a="http://schemas.openxmlformats.org/drawingml/2006/main" xmlns:r="http://schemas.openxmlformats.org/officeDocument/2006/relationships" xmlns:p="http://schemas.openxmlformats.org/presentationml/2006/main">
+  <p:cSld>
+    <p:spTree>
+      <p:nvGrpSpPr>
+        <p:cNvPr id="1" name=""/>
+        <p:cNvGrpSpPr/>
+        <p:nvPr/>
+      </p:nvGrpSpPr>
+      <p:grpSpPr/>
+      <p:sp>
+        <p:nvSpPr>
+          <p:cNvPr id="2" name="Title 1"/>
+          <p:cNvSpPr>
+            <a:spLocks noGrp="1"/>
+          </p:cNvSpPr>
+          <p:nvPr>
+            <p:ph type="title"/>
+          </p:nvPr>
+        </p:nvSpPr>
+        <p:spPr>
+          <a:xfrm>
+            <a:off x="2559050" y="1854835"/>
+            <a:ext cx="10515600" cy="1325563"/>
+          </a:xfrm>
+        </p:spPr>
+        <p:txBody>
+          <a:bodyPr/>
+          <a:p>
+            <a:r>
+              <a:rPr lang="en-US">
+                <a:sym typeface="+mn-ea"/>
+              </a:rPr>
+              <a:t>索引:</a:t>
+            </a:r>
+            <a:br>
+              <a:rPr lang="en-US"/>
+            </a:br>
+            <a:endParaRPr lang="en-US"/>
+          </a:p>
+        </p:txBody>
+      </p:sp>
+      <p:sp>
+        <p:nvSpPr>
+          <p:cNvPr id="3" name="Content Placeholder 2"/>
+          <p:cNvSpPr>
+            <a:spLocks noGrp="1"/>
+          </p:cNvSpPr>
+          <p:nvPr>
+            <p:ph idx="1"/>
+          </p:nvPr>
+        </p:nvSpPr>
+        <p:spPr>
+          <a:xfrm>
+            <a:off x="2464435" y="2949575"/>
+            <a:ext cx="10515600" cy="4351338"/>
+          </a:xfrm>
+        </p:spPr>
+        <p:txBody>
+          <a:bodyPr/>
+          <a:p>
+            <a:r>
+              <a:rPr lang="en-US"/>
+              <a:t>在事件表建立了房间名索引</a:t>
+            </a:r>
+            <a:endParaRPr lang="en-US"/>
+          </a:p>
+          <a:p>
+            <a:r>
+              <a:rPr lang="en-US"/>
+              <a:t>在房间表建立了房间名索引和用户email索引</a:t>
+            </a:r>
+            <a:endParaRPr lang="en-US"/>
+          </a:p>
+          <a:p>
+            <a:r>
+              <a:rPr lang="en-US"/>
+              <a:t>在用户信息表建立了email索引</a:t>
+            </a:r>
+            <a:endParaRPr lang="en-US"/>
+          </a:p>
+        </p:txBody>
+      </p:sp>
+    </p:spTree>
+  </p:cSld>
+  <p:clrMapOvr>
+    <a:masterClrMapping/>
+  </p:clrMapOvr>
+</p:sld>
+</file>
+
+<file path=ppt/slides/slide11.xml><?xml version="1.0" encoding="utf-8"?>
+<p:sld xmlns:a="http://schemas.openxmlformats.org/drawingml/2006/main" xmlns:r="http://schemas.openxmlformats.org/officeDocument/2006/relationships" xmlns:p="http://schemas.openxmlformats.org/presentationml/2006/main">
+  <p:cSld>
+    <p:spTree>
+      <p:nvGrpSpPr>
+        <p:cNvPr id="1" name=""/>
+        <p:cNvGrpSpPr/>
+        <p:nvPr/>
+      </p:nvGrpSpPr>
+      <p:grpSpPr/>
+      <p:sp>
+        <p:nvSpPr>
+          <p:cNvPr id="2" name="Title 1"/>
+          <p:cNvSpPr>
+            <a:spLocks noGrp="1"/>
+          </p:cNvSpPr>
+          <p:nvPr>
+            <p:ph type="title"/>
+          </p:nvPr>
+        </p:nvSpPr>
+        <p:spPr>
+          <a:xfrm>
+            <a:off x="1582420" y="1109345"/>
+            <a:ext cx="10515600" cy="1325563"/>
+          </a:xfrm>
+        </p:spPr>
+        <p:txBody>
+          <a:bodyPr/>
+          <a:p>
+            <a:r>
+              <a:rPr lang="en-US">
+                <a:sym typeface="+mn-ea"/>
+              </a:rPr>
+              <a:t>安全问题</a:t>
+            </a:r>
+            <a:r>
+              <a:rPr lang="zh-CN" altLang="en-US">
+                <a:sym typeface="+mn-ea"/>
+              </a:rPr>
+              <a:t>：</a:t>
+            </a:r>
+            <a:endParaRPr lang="zh-CN" altLang="en-US">
+              <a:sym typeface="+mn-ea"/>
+            </a:endParaRPr>
+          </a:p>
+        </p:txBody>
+      </p:sp>
+      <p:sp>
+        <p:nvSpPr>
+          <p:cNvPr id="3" name="Content Placeholder 2"/>
+          <p:cNvSpPr>
+            <a:spLocks noGrp="1"/>
+          </p:cNvSpPr>
+          <p:nvPr>
+            <p:ph idx="1"/>
+          </p:nvPr>
+        </p:nvSpPr>
+        <p:spPr>
+          <a:xfrm>
+            <a:off x="1078865" y="2296160"/>
+            <a:ext cx="10515600" cy="4351338"/>
+          </a:xfrm>
+        </p:spPr>
+        <p:txBody>
+          <a:bodyPr/>
+          <a:p>
+            <a:pPr marL="0" indent="0">
+              <a:buNone/>
+            </a:pPr>
+            <a:r>
+              <a:rPr lang="en-US" sz="2400"/>
+              <a:t>	Ecto 通过使用参数化查询和模式化输入来杜绝数据库安全问题，如 SQL 注入攻击。在参数化查询中，Ecto 将查询中的用户输入作为参数传递，而不是将其直接嵌入到查询字符串中。这样一来，即使用户输入恶意的 SQL 代码，也不会对查询产生影响。在模式化输入中，Ecto 强制执行严格的数据类型和验证规则，以确保用户输入的格式和内容符合预期。这可以有效地防止恶意用户通过输入不合法的数据来攻击数据库。此外，Ecto 还提供了一些其他的安全特性，如查询过滤和访问控制，以帮助开发人员更好地保护他们的数据库。</a:t>
+            </a:r>
+            <a:endParaRPr lang="en-US" sz="2400"/>
+          </a:p>
+        </p:txBody>
+      </p:sp>
+    </p:spTree>
+  </p:cSld>
+  <p:clrMapOvr>
+    <a:masterClrMapping/>
+  </p:clrMapOvr>
+</p:sld>
+</file>
+
+<file path=ppt/slides/slide12.xml><?xml version="1.0" encoding="utf-8"?>
+<p:sld xmlns:a="http://schemas.openxmlformats.org/drawingml/2006/main" xmlns:r="http://schemas.openxmlformats.org/officeDocument/2006/relationships" xmlns:p="http://schemas.openxmlformats.org/presentationml/2006/main">
+  <p:cSld>
+    <p:spTree>
+      <p:nvGrpSpPr>
+        <p:cNvPr id="1" name=""/>
+        <p:cNvGrpSpPr/>
+        <p:nvPr/>
+      </p:nvGrpSpPr>
+      <p:grpSpPr/>
+      <p:sp>
+        <p:nvSpPr>
+          <p:cNvPr id="2" name="Title 1"/>
+          <p:cNvSpPr>
+            <a:spLocks noGrp="1"/>
+          </p:cNvSpPr>
+          <p:nvPr>
+            <p:ph type="title"/>
+          </p:nvPr>
+        </p:nvSpPr>
+        <p:spPr>
+          <a:xfrm>
+            <a:off x="1518920" y="1864995"/>
+            <a:ext cx="10515600" cy="2954020"/>
+          </a:xfrm>
+        </p:spPr>
+        <p:txBody>
+          <a:bodyPr>
+            <a:normAutofit/>
+          </a:bodyPr>
+          <a:p>
+            <a:r>
+              <a:rPr lang="zh-CN" altLang="en-US"/>
+              <a:t>分工情况：</a:t>
+            </a:r>
+            <a:br>
+              <a:rPr lang="zh-CN" altLang="en-US"/>
+            </a:br>
+            <a:r>
+              <a:rPr lang="en-US" altLang="zh-CN"/>
+              <a:t>	2200310717</a:t>
+            </a:r>
+            <a:r>
+              <a:rPr lang="zh-CN" altLang="en-US"/>
+              <a:t>黄荣钊完成：</a:t>
+            </a:r>
+            <a:br>
+              <a:rPr lang="zh-CN" altLang="en-US"/>
+            </a:br>
+            <a:r>
+              <a:rPr lang="en-US" altLang="zh-CN"/>
+              <a:t>		</a:t>
+            </a:r>
+            <a:r>
+              <a:rPr lang="zh-CN" altLang="en-US"/>
+              <a:t>前后端设计与实现、数据库设计与管理、测试</a:t>
+            </a:r>
+            <a:br>
+              <a:rPr lang="zh-CN" altLang="en-US"/>
+            </a:br>
+            <a:endParaRPr lang="zh-CN" altLang="en-US"/>
+          </a:p>
+        </p:txBody>
+      </p:sp>
+    </p:spTree>
+  </p:cSld>
+  <p:clrMapOvr>
+    <a:masterClrMapping/>
+  </p:clrMapOvr>
+</p:sld>
+</file>
+
 <file path=ppt/slides/slide2.xml><?xml version="1.0" encoding="utf-8"?>
 <p:sld xmlns:a="http://schemas.openxmlformats.org/drawingml/2006/main" xmlns:r="http://schemas.openxmlformats.org/officeDocument/2006/relationships" xmlns:p="http://schemas.openxmlformats.org/presentationml/2006/main">
   <p:cSld>
@@ -3634,12 +3891,14 @@
         </p:nvSpPr>
         <p:spPr>
           <a:xfrm>
-            <a:off x="838200" y="841375"/>
-            <a:ext cx="10515600" cy="5303520"/>
+            <a:off x="690880" y="758190"/>
+            <a:ext cx="10515600" cy="5743575"/>
           </a:xfrm>
         </p:spPr>
         <p:txBody>
-          <a:bodyPr/>
+          <a:bodyPr>
+            <a:normAutofit/>
+          </a:bodyPr>
           <a:p>
             <a:r>
               <a:rPr lang="zh-CN" altLang="en-US"/>
@@ -3718,10 +3977,22 @@
               <a:rPr lang="en-US" altLang="zh-CN"/>
               <a:t>	</a:t>
             </a:r>
+            <a:r>
+              <a:rPr lang="zh-CN" altLang="en-US"/>
+              <a:t>数据库抽象库：</a:t>
+            </a:r>
+            <a:r>
+              <a:rPr lang="en-US" altLang="zh-CN"/>
+              <a:t>Ecto</a:t>
+            </a:r>
             <a:br>
               <a:rPr lang="zh-CN" altLang="en-US"/>
             </a:br>
-            <a:endParaRPr lang="zh-CN" altLang="en-US"/>
+            <a:r>
+              <a:rPr lang="en-US" altLang="zh-CN"/>
+              <a:t>		Ecto 的一个主要优势是其查询接口，它允许开发人员使用 			Elixir 代码构建复杂的数据库查询，而无需编写 SQL。</a:t>
+            </a:r>
+            <a:endParaRPr lang="en-US" altLang="zh-CN"/>
           </a:p>
         </p:txBody>
       </p:sp>
@@ -3764,7 +4035,7 @@
           <a:p>
             <a:r>
               <a:rPr lang="zh-CN" altLang="en-US"/>
-              <a:t>仓库地址：</a:t>
+              <a:t>仓库地址：https://github.com/Finlifin/database_final</a:t>
             </a:r>
             <a:endParaRPr lang="zh-CN" altLang="en-US"/>
           </a:p>
@@ -3827,6 +4098,841 @@
               <a:t>Git/Github</a:t>
             </a:r>
             <a:endParaRPr lang="en-US" altLang="zh-CN"/>
+          </a:p>
+        </p:txBody>
+      </p:sp>
+    </p:spTree>
+  </p:cSld>
+  <p:clrMapOvr>
+    <a:masterClrMapping/>
+  </p:clrMapOvr>
+</p:sld>
+</file>
+
+<file path=ppt/slides/slide4.xml><?xml version="1.0" encoding="utf-8"?>
+<p:sld xmlns:a="http://schemas.openxmlformats.org/drawingml/2006/main" xmlns:r="http://schemas.openxmlformats.org/officeDocument/2006/relationships" xmlns:p="http://schemas.openxmlformats.org/presentationml/2006/main">
+  <p:cSld>
+    <p:spTree>
+      <p:nvGrpSpPr>
+        <p:cNvPr id="1" name=""/>
+        <p:cNvGrpSpPr/>
+        <p:nvPr/>
+      </p:nvGrpSpPr>
+      <p:grpSpPr/>
+      <p:sp>
+        <p:nvSpPr>
+          <p:cNvPr id="2" name="Title 1"/>
+          <p:cNvSpPr>
+            <a:spLocks noGrp="1"/>
+          </p:cNvSpPr>
+          <p:nvPr>
+            <p:ph type="title"/>
+          </p:nvPr>
+        </p:nvSpPr>
+        <p:spPr/>
+        <p:txBody>
+          <a:bodyPr/>
+          <a:p>
+            <a:r>
+              <a:rPr lang="zh-CN" altLang="en-US"/>
+              <a:t>数据库设计（</a:t>
+            </a:r>
+            <a:r>
+              <a:rPr lang="en-US" altLang="zh-CN"/>
+              <a:t>ER</a:t>
+            </a:r>
+            <a:r>
+              <a:rPr lang="zh-CN" altLang="en-US"/>
+              <a:t>图）：</a:t>
+            </a:r>
+            <a:endParaRPr lang="zh-CN" altLang="en-US"/>
+          </a:p>
+        </p:txBody>
+      </p:sp>
+      <p:pic>
+        <p:nvPicPr>
+          <p:cNvPr id="5" name="Picture 5" descr="2024-05-30_16:31:42"/>
+          <p:cNvPicPr>
+            <a:picLocks noChangeAspect="1"/>
+          </p:cNvPicPr>
+          <p:nvPr/>
+        </p:nvPicPr>
+        <p:blipFill>
+          <a:blip r:embed="rId1"/>
+          <a:stretch>
+            <a:fillRect/>
+          </a:stretch>
+        </p:blipFill>
+        <p:spPr>
+          <a:xfrm>
+            <a:off x="1515110" y="1229360"/>
+            <a:ext cx="9161145" cy="5628640"/>
+          </a:xfrm>
+          <a:prstGeom prst="rect">
+            <a:avLst/>
+          </a:prstGeom>
+        </p:spPr>
+      </p:pic>
+    </p:spTree>
+  </p:cSld>
+  <p:clrMapOvr>
+    <a:masterClrMapping/>
+  </p:clrMapOvr>
+</p:sld>
+</file>
+
+<file path=ppt/slides/slide5.xml><?xml version="1.0" encoding="utf-8"?>
+<p:sld xmlns:a="http://schemas.openxmlformats.org/drawingml/2006/main" xmlns:r="http://schemas.openxmlformats.org/officeDocument/2006/relationships" xmlns:p="http://schemas.openxmlformats.org/presentationml/2006/main">
+  <p:cSld>
+    <p:spTree>
+      <p:nvGrpSpPr>
+        <p:cNvPr id="1" name=""/>
+        <p:cNvGrpSpPr/>
+        <p:nvPr/>
+      </p:nvGrpSpPr>
+      <p:grpSpPr/>
+      <p:sp>
+        <p:nvSpPr>
+          <p:cNvPr id="2" name="Title 1"/>
+          <p:cNvSpPr>
+            <a:spLocks noGrp="1"/>
+          </p:cNvSpPr>
+          <p:nvPr>
+            <p:ph type="title"/>
+          </p:nvPr>
+        </p:nvSpPr>
+        <p:spPr>
+          <a:xfrm>
+            <a:off x="1605915" y="1424305"/>
+            <a:ext cx="10515600" cy="1325563"/>
+          </a:xfrm>
+        </p:spPr>
+        <p:txBody>
+          <a:bodyPr>
+            <a:normAutofit/>
+          </a:bodyPr>
+          <a:p>
+            <a:r>
+              <a:rPr lang="en-US"/>
+              <a:t>1.用户表：</a:t>
+            </a:r>
+            <a:endParaRPr lang="en-US"/>
+          </a:p>
+        </p:txBody>
+      </p:sp>
+      <p:sp>
+        <p:nvSpPr>
+          <p:cNvPr id="3" name="Content Placeholder 2"/>
+          <p:cNvSpPr>
+            <a:spLocks noGrp="1"/>
+          </p:cNvSpPr>
+          <p:nvPr>
+            <p:ph idx="1"/>
+          </p:nvPr>
+        </p:nvSpPr>
+        <p:spPr>
+          <a:xfrm>
+            <a:off x="1845310" y="2506345"/>
+            <a:ext cx="10515600" cy="4351338"/>
+          </a:xfrm>
+        </p:spPr>
+        <p:txBody>
+          <a:bodyPr/>
+          <a:p>
+            <a:r>
+              <a:rPr lang="en-US"/>
+              <a:t>id: bigint,  </a:t>
+            </a:r>
+            <a:r>
+              <a:rPr lang="zh-CN" altLang="en-US"/>
+              <a:t>主键，</a:t>
+            </a:r>
+            <a:r>
+              <a:rPr lang="en-US"/>
+              <a:t>由Ecto自动创建的id, 用于其内部管理</a:t>
+            </a:r>
+            <a:endParaRPr lang="en-US"/>
+          </a:p>
+          <a:p>
+            <a:r>
+              <a:rPr lang="en-US"/>
+              <a:t>email: citext, 用户的邮箱</a:t>
+            </a:r>
+            <a:endParaRPr lang="en-US"/>
+          </a:p>
+          <a:p>
+            <a:r>
+              <a:rPr lang="en-US"/>
+              <a:t>hashed_password: character varying(255), hash保存的用户密码</a:t>
+            </a:r>
+            <a:endParaRPr lang="en-US"/>
+          </a:p>
+          <a:p>
+            <a:r>
+              <a:rPr lang="en-US"/>
+              <a:t>confirmed_at: timestamp,</a:t>
+            </a:r>
+            <a:endParaRPr lang="en-US"/>
+          </a:p>
+          <a:p>
+            <a:r>
+              <a:rPr lang="en-US"/>
+              <a:t>inserted_at: timestamp, 用户创建时间</a:t>
+            </a:r>
+            <a:endParaRPr lang="en-US"/>
+          </a:p>
+          <a:p>
+            <a:r>
+              <a:rPr lang="en-US"/>
+              <a:t>updated_at: timestamp, 用户更新时间</a:t>
+            </a:r>
+            <a:endParaRPr lang="en-US"/>
+          </a:p>
+        </p:txBody>
+      </p:sp>
+    </p:spTree>
+  </p:cSld>
+  <p:clrMapOvr>
+    <a:masterClrMapping/>
+  </p:clrMapOvr>
+</p:sld>
+</file>
+
+<file path=ppt/slides/slide6.xml><?xml version="1.0" encoding="utf-8"?>
+<p:sld xmlns:a="http://schemas.openxmlformats.org/drawingml/2006/main" xmlns:r="http://schemas.openxmlformats.org/officeDocument/2006/relationships" xmlns:p="http://schemas.openxmlformats.org/presentationml/2006/main">
+  <p:cSld>
+    <p:spTree>
+      <p:nvGrpSpPr>
+        <p:cNvPr id="1" name=""/>
+        <p:cNvGrpSpPr/>
+        <p:nvPr/>
+      </p:nvGrpSpPr>
+      <p:grpSpPr/>
+      <p:sp>
+        <p:nvSpPr>
+          <p:cNvPr id="2" name="Title 1"/>
+          <p:cNvSpPr>
+            <a:spLocks noGrp="1"/>
+          </p:cNvSpPr>
+          <p:nvPr>
+            <p:ph type="title"/>
+          </p:nvPr>
+        </p:nvSpPr>
+        <p:spPr>
+          <a:xfrm>
+            <a:off x="1605915" y="1424305"/>
+            <a:ext cx="10515600" cy="1325563"/>
+          </a:xfrm>
+        </p:spPr>
+        <p:txBody>
+          <a:bodyPr>
+            <a:normAutofit/>
+          </a:bodyPr>
+          <a:p>
+            <a:r>
+              <a:rPr lang="en-US"/>
+              <a:t>2.用户令牌表：</a:t>
+            </a:r>
+            <a:endParaRPr lang="en-US"/>
+          </a:p>
+        </p:txBody>
+      </p:sp>
+      <p:sp>
+        <p:nvSpPr>
+          <p:cNvPr id="3" name="Content Placeholder 2"/>
+          <p:cNvSpPr>
+            <a:spLocks noGrp="1"/>
+          </p:cNvSpPr>
+          <p:nvPr>
+            <p:ph idx="1"/>
+          </p:nvPr>
+        </p:nvSpPr>
+        <p:spPr>
+          <a:xfrm>
+            <a:off x="1845310" y="2506345"/>
+            <a:ext cx="10515600" cy="4351338"/>
+          </a:xfrm>
+        </p:spPr>
+        <p:txBody>
+          <a:bodyPr/>
+          <a:p>
+            <a:r>
+              <a:rPr lang="en-US"/>
+              <a:t>id: bigint, </a:t>
+            </a:r>
+            <a:r>
+              <a:rPr lang="zh-CN" altLang="en-US"/>
+              <a:t>主键，</a:t>
+            </a:r>
+            <a:r>
+              <a:rPr lang="en-US"/>
+              <a:t> </a:t>
+            </a:r>
+            <a:r>
+              <a:rPr lang="en-US">
+                <a:sym typeface="+mn-ea"/>
+              </a:rPr>
+              <a:t>由Ecto自动创建的id, 用于其内部管理</a:t>
+            </a:r>
+            <a:endParaRPr lang="en-US"/>
+          </a:p>
+          <a:p>
+            <a:r>
+              <a:rPr lang="en-US"/>
+              <a:t>user_id: bigint, </a:t>
+            </a:r>
+            <a:r>
+              <a:rPr lang="zh-CN" altLang="en-US"/>
+              <a:t>用户</a:t>
+            </a:r>
+            <a:r>
+              <a:rPr lang="en-US" altLang="zh-CN"/>
+              <a:t>id</a:t>
+            </a:r>
+            <a:endParaRPr lang="en-US"/>
+          </a:p>
+          <a:p>
+            <a:r>
+              <a:rPr lang="en-US"/>
+              <a:t>token: bytea, token</a:t>
+            </a:r>
+            <a:endParaRPr lang="en-US"/>
+          </a:p>
+          <a:p>
+            <a:r>
+              <a:rPr lang="en-US"/>
+              <a:t>context: character varying(255), </a:t>
+            </a:r>
+            <a:r>
+              <a:rPr lang="zh-CN" altLang="en-US"/>
+              <a:t>由</a:t>
+            </a:r>
+            <a:r>
+              <a:rPr lang="en-US" altLang="zh-CN"/>
+              <a:t>Ecto</a:t>
+            </a:r>
+            <a:r>
+              <a:rPr lang="zh-CN" altLang="en-US"/>
+              <a:t>自动添加，拓展用</a:t>
+            </a:r>
+            <a:endParaRPr lang="en-US"/>
+          </a:p>
+          <a:p>
+            <a:r>
+              <a:rPr lang="en-US"/>
+              <a:t>sent_to: character varying(255), </a:t>
+            </a:r>
+            <a:r>
+              <a:rPr lang="zh-CN" altLang="en-US">
+                <a:sym typeface="+mn-ea"/>
+              </a:rPr>
+              <a:t>由</a:t>
+            </a:r>
+            <a:r>
+              <a:rPr lang="en-US" altLang="zh-CN">
+                <a:sym typeface="+mn-ea"/>
+              </a:rPr>
+              <a:t>Ecto</a:t>
+            </a:r>
+            <a:r>
+              <a:rPr lang="zh-CN" altLang="en-US">
+                <a:sym typeface="+mn-ea"/>
+              </a:rPr>
+              <a:t>自动添加，拓展用</a:t>
+            </a:r>
+            <a:endParaRPr lang="en-US"/>
+          </a:p>
+          <a:p>
+            <a:r>
+              <a:rPr lang="en-US"/>
+              <a:t>inserted_at: timestamp,</a:t>
+            </a:r>
+            <a:endParaRPr lang="en-US"/>
+          </a:p>
+        </p:txBody>
+      </p:sp>
+    </p:spTree>
+  </p:cSld>
+  <p:clrMapOvr>
+    <a:masterClrMapping/>
+  </p:clrMapOvr>
+</p:sld>
+</file>
+
+<file path=ppt/slides/slide7.xml><?xml version="1.0" encoding="utf-8"?>
+<p:sld xmlns:a="http://schemas.openxmlformats.org/drawingml/2006/main" xmlns:r="http://schemas.openxmlformats.org/officeDocument/2006/relationships" xmlns:p="http://schemas.openxmlformats.org/presentationml/2006/main">
+  <p:cSld>
+    <p:spTree>
+      <p:nvGrpSpPr>
+        <p:cNvPr id="1" name=""/>
+        <p:cNvGrpSpPr/>
+        <p:nvPr/>
+      </p:nvGrpSpPr>
+      <p:grpSpPr/>
+      <p:sp>
+        <p:nvSpPr>
+          <p:cNvPr id="2" name="Title 1"/>
+          <p:cNvSpPr>
+            <a:spLocks noGrp="1"/>
+          </p:cNvSpPr>
+          <p:nvPr>
+            <p:ph type="title"/>
+          </p:nvPr>
+        </p:nvSpPr>
+        <p:spPr>
+          <a:xfrm>
+            <a:off x="1605915" y="1424305"/>
+            <a:ext cx="10515600" cy="1325563"/>
+          </a:xfrm>
+        </p:spPr>
+        <p:txBody>
+          <a:bodyPr>
+            <a:normAutofit/>
+          </a:bodyPr>
+          <a:p>
+            <a:r>
+              <a:rPr lang="en-US"/>
+              <a:t>3.用户信息表：</a:t>
+            </a:r>
+            <a:endParaRPr lang="en-US"/>
+          </a:p>
+        </p:txBody>
+      </p:sp>
+      <p:sp>
+        <p:nvSpPr>
+          <p:cNvPr id="3" name="Content Placeholder 2"/>
+          <p:cNvSpPr>
+            <a:spLocks noGrp="1"/>
+          </p:cNvSpPr>
+          <p:nvPr>
+            <p:ph idx="1"/>
+          </p:nvPr>
+        </p:nvSpPr>
+        <p:spPr>
+          <a:xfrm>
+            <a:off x="1845310" y="2506345"/>
+            <a:ext cx="10515600" cy="4351338"/>
+          </a:xfrm>
+        </p:spPr>
+        <p:txBody>
+          <a:bodyPr/>
+          <a:p>
+            <a:r>
+              <a:rPr lang="en-US"/>
+              <a:t>id: bigint,</a:t>
+            </a:r>
+            <a:r>
+              <a:rPr lang="en-US">
+                <a:sym typeface="+mn-ea"/>
+              </a:rPr>
+              <a:t> </a:t>
+            </a:r>
+            <a:r>
+              <a:rPr lang="zh-CN" altLang="en-US">
+                <a:sym typeface="+mn-ea"/>
+              </a:rPr>
+              <a:t>主键，</a:t>
+            </a:r>
+            <a:r>
+              <a:rPr lang="en-US">
+                <a:sym typeface="+mn-ea"/>
+              </a:rPr>
+              <a:t> </a:t>
+            </a:r>
+            <a:r>
+              <a:rPr lang="en-US">
+                <a:sym typeface="+mn-ea"/>
+              </a:rPr>
+              <a:t>由Ecto自动创建的id, 用于其内部管理</a:t>
+            </a:r>
+            <a:endParaRPr lang="en-US"/>
+          </a:p>
+          <a:p>
+            <a:r>
+              <a:rPr lang="en-US"/>
+              <a:t>name: character varying(255), </a:t>
+            </a:r>
+            <a:r>
+              <a:rPr lang="zh-CN" altLang="en-US"/>
+              <a:t>名字，</a:t>
+            </a:r>
+            <a:r>
+              <a:rPr lang="en-US" altLang="zh-CN"/>
+              <a:t> </a:t>
+            </a:r>
+            <a:r>
+              <a:rPr lang="zh-CN" altLang="en-US"/>
+              <a:t>可空</a:t>
+            </a:r>
+            <a:endParaRPr lang="en-US"/>
+          </a:p>
+          <a:p>
+            <a:r>
+              <a:rPr lang="en-US"/>
+              <a:t>bio: character varying(255),  </a:t>
+            </a:r>
+            <a:r>
+              <a:rPr lang="zh-CN" altLang="en-US"/>
+              <a:t>个人简介，可空</a:t>
+            </a:r>
+            <a:endParaRPr lang="en-US"/>
+          </a:p>
+          <a:p>
+            <a:r>
+              <a:rPr lang="en-US"/>
+              <a:t>email: character varying(255),  email</a:t>
+            </a:r>
+            <a:r>
+              <a:rPr lang="zh-CN" altLang="en-US"/>
+              <a:t>，</a:t>
+            </a:r>
+            <a:r>
+              <a:rPr lang="en-US" altLang="zh-CN"/>
+              <a:t> </a:t>
+            </a:r>
+            <a:r>
+              <a:rPr lang="zh-CN" altLang="en-US"/>
+              <a:t>可空</a:t>
+            </a:r>
+            <a:endParaRPr lang="en-US"/>
+          </a:p>
+          <a:p>
+            <a:r>
+              <a:rPr lang="en-US"/>
+              <a:t>avatar: character varying(255),  </a:t>
+            </a:r>
+            <a:r>
+              <a:rPr lang="zh-CN" altLang="en-US"/>
+              <a:t>头像地址，可空</a:t>
+            </a:r>
+            <a:endParaRPr lang="en-US"/>
+          </a:p>
+          <a:p>
+            <a:r>
+              <a:rPr lang="en-US"/>
+              <a:t>inserted_at: timestamp, </a:t>
+            </a:r>
+            <a:r>
+              <a:rPr lang="zh-CN" altLang="en-US"/>
+              <a:t>创建时间</a:t>
+            </a:r>
+            <a:endParaRPr lang="en-US"/>
+          </a:p>
+          <a:p>
+            <a:r>
+              <a:rPr lang="en-US"/>
+              <a:t>updated_at: timestamp, </a:t>
+            </a:r>
+            <a:r>
+              <a:rPr lang="zh-CN" altLang="en-US"/>
+              <a:t>更新时间</a:t>
+            </a:r>
+            <a:endParaRPr lang="zh-CN" altLang="en-US"/>
+          </a:p>
+        </p:txBody>
+      </p:sp>
+    </p:spTree>
+  </p:cSld>
+  <p:clrMapOvr>
+    <a:masterClrMapping/>
+  </p:clrMapOvr>
+</p:sld>
+</file>
+
+<file path=ppt/slides/slide8.xml><?xml version="1.0" encoding="utf-8"?>
+<p:sld xmlns:a="http://schemas.openxmlformats.org/drawingml/2006/main" xmlns:r="http://schemas.openxmlformats.org/officeDocument/2006/relationships" xmlns:p="http://schemas.openxmlformats.org/presentationml/2006/main">
+  <p:cSld>
+    <p:spTree>
+      <p:nvGrpSpPr>
+        <p:cNvPr id="1" name=""/>
+        <p:cNvGrpSpPr/>
+        <p:nvPr/>
+      </p:nvGrpSpPr>
+      <p:grpSpPr/>
+      <p:sp>
+        <p:nvSpPr>
+          <p:cNvPr id="2" name="Title 1"/>
+          <p:cNvSpPr>
+            <a:spLocks noGrp="1"/>
+          </p:cNvSpPr>
+          <p:nvPr>
+            <p:ph type="title"/>
+          </p:nvPr>
+        </p:nvSpPr>
+        <p:spPr>
+          <a:xfrm>
+            <a:off x="1605915" y="1424305"/>
+            <a:ext cx="10515600" cy="1325563"/>
+          </a:xfrm>
+        </p:spPr>
+        <p:txBody>
+          <a:bodyPr>
+            <a:normAutofit/>
+          </a:bodyPr>
+          <a:p>
+            <a:r>
+              <a:rPr lang="en-US"/>
+              <a:t>4.房间表：</a:t>
+            </a:r>
+            <a:endParaRPr lang="en-US"/>
+          </a:p>
+        </p:txBody>
+      </p:sp>
+      <p:sp>
+        <p:nvSpPr>
+          <p:cNvPr id="3" name="Content Placeholder 2"/>
+          <p:cNvSpPr>
+            <a:spLocks noGrp="1"/>
+          </p:cNvSpPr>
+          <p:nvPr>
+            <p:ph idx="1"/>
+          </p:nvPr>
+        </p:nvSpPr>
+        <p:spPr>
+          <a:xfrm>
+            <a:off x="1845310" y="2506345"/>
+            <a:ext cx="10515600" cy="4351338"/>
+          </a:xfrm>
+        </p:spPr>
+        <p:txBody>
+          <a:bodyPr/>
+          <a:p>
+            <a:r>
+              <a:rPr lang="en-US"/>
+              <a:t>id: bigint, </a:t>
+            </a:r>
+            <a:r>
+              <a:rPr lang="en-US">
+                <a:sym typeface="+mn-ea"/>
+              </a:rPr>
+              <a:t> </a:t>
+            </a:r>
+            <a:r>
+              <a:rPr lang="zh-CN" altLang="en-US">
+                <a:sym typeface="+mn-ea"/>
+              </a:rPr>
+              <a:t>主键，</a:t>
+            </a:r>
+            <a:r>
+              <a:rPr lang="en-US">
+                <a:sym typeface="+mn-ea"/>
+              </a:rPr>
+              <a:t>由Ecto自动创建的id, 用于其内部管理</a:t>
+            </a:r>
+            <a:endParaRPr lang="en-US"/>
+          </a:p>
+          <a:p>
+            <a:r>
+              <a:rPr lang="en-US"/>
+              <a:t>user_id: bigint, </a:t>
+            </a:r>
+            <a:r>
+              <a:rPr lang="zh-CN" altLang="en-US"/>
+              <a:t>用户</a:t>
+            </a:r>
+            <a:r>
+              <a:rPr lang="en-US" altLang="zh-CN"/>
+              <a:t>id</a:t>
+            </a:r>
+            <a:endParaRPr lang="en-US"/>
+          </a:p>
+          <a:p>
+            <a:r>
+              <a:rPr lang="en-US"/>
+              <a:t>room_name: character varying(255), </a:t>
+            </a:r>
+            <a:r>
+              <a:rPr lang="zh-CN" altLang="en-US"/>
+              <a:t>房间名</a:t>
+            </a:r>
+            <a:endParaRPr lang="en-US"/>
+          </a:p>
+          <a:p>
+            <a:r>
+              <a:rPr lang="en-US"/>
+              <a:t>inserted_at: timestamp,  </a:t>
+            </a:r>
+            <a:r>
+              <a:rPr lang="zh-CN" altLang="en-US"/>
+              <a:t>加入时间</a:t>
+            </a:r>
+            <a:endParaRPr lang="en-US"/>
+          </a:p>
+          <a:p>
+            <a:r>
+              <a:rPr lang="en-US"/>
+              <a:t>updated_at: timestamp,  </a:t>
+            </a:r>
+            <a:r>
+              <a:rPr lang="zh-CN" altLang="en-US"/>
+              <a:t>更新时间</a:t>
+            </a:r>
+            <a:endParaRPr lang="zh-CN" altLang="en-US"/>
+          </a:p>
+        </p:txBody>
+      </p:sp>
+    </p:spTree>
+  </p:cSld>
+  <p:clrMapOvr>
+    <a:masterClrMapping/>
+  </p:clrMapOvr>
+</p:sld>
+</file>
+
+<file path=ppt/slides/slide9.xml><?xml version="1.0" encoding="utf-8"?>
+<p:sld xmlns:a="http://schemas.openxmlformats.org/drawingml/2006/main" xmlns:r="http://schemas.openxmlformats.org/officeDocument/2006/relationships" xmlns:p="http://schemas.openxmlformats.org/presentationml/2006/main">
+  <p:cSld>
+    <p:spTree>
+      <p:nvGrpSpPr>
+        <p:cNvPr id="1" name=""/>
+        <p:cNvGrpSpPr/>
+        <p:nvPr/>
+      </p:nvGrpSpPr>
+      <p:grpSpPr/>
+      <p:sp>
+        <p:nvSpPr>
+          <p:cNvPr id="2" name="Title 1"/>
+          <p:cNvSpPr>
+            <a:spLocks noGrp="1"/>
+          </p:cNvSpPr>
+          <p:nvPr>
+            <p:ph type="title"/>
+          </p:nvPr>
+        </p:nvSpPr>
+        <p:spPr>
+          <a:xfrm>
+            <a:off x="1448435" y="878205"/>
+            <a:ext cx="10515600" cy="1325563"/>
+          </a:xfrm>
+        </p:spPr>
+        <p:txBody>
+          <a:bodyPr>
+            <a:normAutofit/>
+          </a:bodyPr>
+          <a:p>
+            <a:r>
+              <a:rPr lang="en-US"/>
+              <a:t>5.事件表：</a:t>
+            </a:r>
+            <a:endParaRPr lang="en-US"/>
+          </a:p>
+        </p:txBody>
+      </p:sp>
+      <p:sp>
+        <p:nvSpPr>
+          <p:cNvPr id="3" name="Content Placeholder 2"/>
+          <p:cNvSpPr>
+            <a:spLocks noGrp="1"/>
+          </p:cNvSpPr>
+          <p:nvPr>
+            <p:ph idx="1"/>
+          </p:nvPr>
+        </p:nvSpPr>
+        <p:spPr>
+          <a:xfrm>
+            <a:off x="1781810" y="2033905"/>
+            <a:ext cx="10515600" cy="4351338"/>
+          </a:xfrm>
+        </p:spPr>
+        <p:txBody>
+          <a:bodyPr>
+            <a:normAutofit lnSpcReduction="10000"/>
+          </a:bodyPr>
+          <a:p>
+            <a:r>
+              <a:rPr lang="en-US"/>
+              <a:t>id：bigint, </a:t>
+            </a:r>
+            <a:r>
+              <a:rPr lang="en-US">
+                <a:sym typeface="+mn-ea"/>
+              </a:rPr>
+              <a:t> </a:t>
+            </a:r>
+            <a:r>
+              <a:rPr lang="zh-CN" altLang="en-US">
+                <a:sym typeface="+mn-ea"/>
+              </a:rPr>
+              <a:t>主键，</a:t>
+            </a:r>
+            <a:r>
+              <a:rPr lang="en-US">
+                <a:sym typeface="+mn-ea"/>
+              </a:rPr>
+              <a:t>由Ecto自动创建的id, 用于其内部管理</a:t>
+            </a:r>
+            <a:endParaRPr lang="en-US"/>
+          </a:p>
+          <a:p>
+            <a:r>
+              <a:rPr lang="en-US"/>
+              <a:t>sender: character varying(255)</a:t>
+            </a:r>
+            <a:endParaRPr lang="en-US"/>
+          </a:p>
+          <a:p>
+            <a:r>
+              <a:rPr lang="en-US"/>
+              <a:t>type: character varying(255),  事件类型，msg/join/leave/img</a:t>
+            </a:r>
+            <a:endParaRPr lang="en-US"/>
+          </a:p>
+          <a:p>
+            <a:r>
+              <a:rPr lang="en-US"/>
+              <a:t>payload: character varying(255), 事件内容, </a:t>
+            </a:r>
+            <a:endParaRPr lang="en-US"/>
+          </a:p>
+          <a:p>
+            <a:r>
+              <a:rPr lang="en-US"/>
+              <a:t>当type是msg时，这是消息内容</a:t>
+            </a:r>
+            <a:endParaRPr lang="en-US"/>
+          </a:p>
+          <a:p>
+            <a:r>
+              <a:rPr lang="en-US"/>
+              <a:t>当type是join和leave时，这用不上</a:t>
+            </a:r>
+            <a:endParaRPr lang="en-US"/>
+          </a:p>
+          <a:p>
+            <a:r>
+              <a:rPr lang="en-US"/>
+              <a:t>当type是img时，这是图片消息的url</a:t>
+            </a:r>
+            <a:endParaRPr lang="en-US"/>
+          </a:p>
+          <a:p>
+            <a:r>
+              <a:rPr lang="en-US"/>
+              <a:t>room: character varying(255), </a:t>
+            </a:r>
+            <a:r>
+              <a:rPr lang="zh-CN" altLang="en-US"/>
+              <a:t>房间名</a:t>
+            </a:r>
+            <a:endParaRPr lang="en-US"/>
+          </a:p>
+          <a:p>
+            <a:r>
+              <a:rPr lang="en-US"/>
+              <a:t>inserted_at: timestamp, </a:t>
+            </a:r>
+            <a:r>
+              <a:rPr lang="zh-CN" altLang="en-US"/>
+              <a:t>发送时间</a:t>
+            </a:r>
+            <a:endParaRPr lang="en-US"/>
+          </a:p>
+          <a:p>
+            <a:r>
+              <a:rPr lang="en-US"/>
+              <a:t>updated_at: timestamp</a:t>
+            </a:r>
+            <a:endParaRPr lang="en-US"/>
           </a:p>
         </p:txBody>
       </p:sp>
